--- a/Presentaciones PP/001-Hola Mundo - Parte 1.pptx
+++ b/Presentaciones PP/001-Hola Mundo - Parte 1.pptx
@@ -12163,7 +12163,7 @@
                 <a:spcPts val="0"/>
               </a:spcAft>
               <a:buSzPts val="1800"/>
-              <a:buChar char="●"/>
+              <a:buAutoNum type="arabicPeriod"/>
             </a:pPr>
             <a:r>
               <a:rPr lang="es-419"/>
@@ -12180,7 +12180,7 @@
                 <a:spcPts val="0"/>
               </a:spcAft>
               <a:buSzPts val="1800"/>
-              <a:buChar char="●"/>
+              <a:buAutoNum type="arabicPeriod"/>
             </a:pPr>
             <a:r>
               <a:rPr lang="es-419"/>
@@ -12197,7 +12197,7 @@
                 <a:spcPts val="0"/>
               </a:spcAft>
               <a:buSzPts val="1800"/>
-              <a:buChar char="●"/>
+              <a:buAutoNum type="arabicPeriod"/>
             </a:pPr>
             <a:r>
               <a:rPr lang="es-419"/>
@@ -12214,7 +12214,7 @@
                 <a:spcPts val="0"/>
               </a:spcAft>
               <a:buSzPts val="1800"/>
-              <a:buChar char="●"/>
+              <a:buAutoNum type="arabicPeriod"/>
             </a:pPr>
             <a:r>
               <a:rPr lang="es-419"/>
@@ -12231,7 +12231,7 @@
                 <a:spcPts val="0"/>
               </a:spcAft>
               <a:buSzPts val="1800"/>
-              <a:buChar char="●"/>
+              <a:buAutoNum type="arabicPeriod"/>
             </a:pPr>
             <a:r>
               <a:rPr lang="es-419"/>
@@ -12248,7 +12248,7 @@
                 <a:spcPts val="0"/>
               </a:spcAft>
               <a:buSzPts val="1800"/>
-              <a:buChar char="●"/>
+              <a:buAutoNum type="arabicPeriod"/>
             </a:pPr>
             <a:r>
               <a:rPr lang="es-419"/>
@@ -12265,7 +12265,7 @@
                 <a:spcPts val="0"/>
               </a:spcAft>
               <a:buSzPts val="1800"/>
-              <a:buChar char="●"/>
+              <a:buAutoNum type="arabicPeriod"/>
             </a:pPr>
             <a:r>
               <a:rPr lang="es-419"/>
@@ -12282,7 +12282,7 @@
                 <a:spcPts val="0"/>
               </a:spcAft>
               <a:buSzPts val="1800"/>
-              <a:buChar char="●"/>
+              <a:buAutoNum type="arabicPeriod"/>
             </a:pPr>
             <a:r>
               <a:rPr lang="es-419"/>
